--- a/classes/prog2024/Prog3-Lecture07.pptx
+++ b/classes/prog2024/Prog3-Lecture07.pptx
@@ -5,7 +5,7 @@
     <p:sldMasterId id="2147483648" r:id="rId1"/>
   </p:sldMasterIdLst>
   <p:notesMasterIdLst>
-    <p:notesMasterId r:id="rId40"/>
+    <p:notesMasterId r:id="rId48"/>
   </p:notesMasterIdLst>
   <p:sldIdLst>
     <p:sldId id="256" r:id="rId2"/>
@@ -45,7 +45,15 @@
     <p:sldId id="293" r:id="rId36"/>
     <p:sldId id="296" r:id="rId37"/>
     <p:sldId id="297" r:id="rId38"/>
-    <p:sldId id="284" r:id="rId39"/>
+    <p:sldId id="298" r:id="rId39"/>
+    <p:sldId id="299" r:id="rId40"/>
+    <p:sldId id="300" r:id="rId41"/>
+    <p:sldId id="301" r:id="rId42"/>
+    <p:sldId id="302" r:id="rId43"/>
+    <p:sldId id="303" r:id="rId44"/>
+    <p:sldId id="304" r:id="rId45"/>
+    <p:sldId id="305" r:id="rId46"/>
+    <p:sldId id="284" r:id="rId47"/>
   </p:sldIdLst>
   <p:sldSz cx="9144000" cy="6858000" type="screen4x3"/>
   <p:notesSz cx="6858000" cy="9144000"/>
@@ -246,7 +254,7 @@
             <a:fld id="{6420E675-AAC5-45A6-BC13-6BACD2C456F7}" type="datetimeFigureOut">
               <a:rPr lang="en-US" smtClean="0"/>
               <a:pPr/>
-              <a:t>9/26/2020</a:t>
+              <a:t>9/15/2024</a:t>
             </a:fld>
             <a:endParaRPr lang="en-US"/>
           </a:p>
@@ -2957,13 +2965,18 @@
             <a:fld id="{E6BB975B-FD37-46B4-979A-A3CB936E818D}" type="slidenum">
               <a:rPr lang="en-US" smtClean="0"/>
               <a:pPr/>
-              <a:t>38</a:t>
+              <a:t>46</a:t>
             </a:fld>
             <a:endParaRPr lang="en-US"/>
           </a:p>
         </p:txBody>
       </p:sp>
     </p:spTree>
+    <p:extLst>
+      <p:ext uri="{BB962C8B-B14F-4D97-AF65-F5344CB8AC3E}">
+        <p14:creationId xmlns:p14="http://schemas.microsoft.com/office/powerpoint/2010/main" val="3941443058"/>
+      </p:ext>
+    </p:extLst>
   </p:cSld>
   <p:clrMapOvr>
     <a:masterClrMapping/>
@@ -3643,7 +3656,7 @@
             <a:fld id="{1D8BD707-D9CF-40AE-B4C6-C98DA3205C09}" type="datetimeFigureOut">
               <a:rPr lang="en-US" smtClean="0"/>
               <a:pPr/>
-              <a:t>9/26/2020</a:t>
+              <a:t>9/15/2024</a:t>
             </a:fld>
             <a:endParaRPr lang="en-US"/>
           </a:p>
@@ -3808,7 +3821,7 @@
             <a:fld id="{1D8BD707-D9CF-40AE-B4C6-C98DA3205C09}" type="datetimeFigureOut">
               <a:rPr lang="en-US" smtClean="0"/>
               <a:pPr/>
-              <a:t>9/26/2020</a:t>
+              <a:t>9/15/2024</a:t>
             </a:fld>
             <a:endParaRPr lang="en-US"/>
           </a:p>
@@ -3983,7 +3996,7 @@
             <a:fld id="{1D8BD707-D9CF-40AE-B4C6-C98DA3205C09}" type="datetimeFigureOut">
               <a:rPr lang="en-US" smtClean="0"/>
               <a:pPr/>
-              <a:t>9/26/2020</a:t>
+              <a:t>9/15/2024</a:t>
             </a:fld>
             <a:endParaRPr lang="en-US"/>
           </a:p>
@@ -4148,7 +4161,7 @@
             <a:fld id="{1D8BD707-D9CF-40AE-B4C6-C98DA3205C09}" type="datetimeFigureOut">
               <a:rPr lang="en-US" smtClean="0"/>
               <a:pPr/>
-              <a:t>9/26/2020</a:t>
+              <a:t>9/15/2024</a:t>
             </a:fld>
             <a:endParaRPr lang="en-US"/>
           </a:p>
@@ -4390,7 +4403,7 @@
             <a:fld id="{1D8BD707-D9CF-40AE-B4C6-C98DA3205C09}" type="datetimeFigureOut">
               <a:rPr lang="en-US" smtClean="0"/>
               <a:pPr/>
-              <a:t>9/26/2020</a:t>
+              <a:t>9/15/2024</a:t>
             </a:fld>
             <a:endParaRPr lang="en-US"/>
           </a:p>
@@ -4672,7 +4685,7 @@
             <a:fld id="{1D8BD707-D9CF-40AE-B4C6-C98DA3205C09}" type="datetimeFigureOut">
               <a:rPr lang="en-US" smtClean="0"/>
               <a:pPr/>
-              <a:t>9/26/2020</a:t>
+              <a:t>9/15/2024</a:t>
             </a:fld>
             <a:endParaRPr lang="en-US"/>
           </a:p>
@@ -5088,7 +5101,7 @@
             <a:fld id="{1D8BD707-D9CF-40AE-B4C6-C98DA3205C09}" type="datetimeFigureOut">
               <a:rPr lang="en-US" smtClean="0"/>
               <a:pPr/>
-              <a:t>9/26/2020</a:t>
+              <a:t>9/15/2024</a:t>
             </a:fld>
             <a:endParaRPr lang="en-US"/>
           </a:p>
@@ -5202,7 +5215,7 @@
             <a:fld id="{1D8BD707-D9CF-40AE-B4C6-C98DA3205C09}" type="datetimeFigureOut">
               <a:rPr lang="en-US" smtClean="0"/>
               <a:pPr/>
-              <a:t>9/26/2020</a:t>
+              <a:t>9/15/2024</a:t>
             </a:fld>
             <a:endParaRPr lang="en-US"/>
           </a:p>
@@ -5294,7 +5307,7 @@
             <a:fld id="{1D8BD707-D9CF-40AE-B4C6-C98DA3205C09}" type="datetimeFigureOut">
               <a:rPr lang="en-US" smtClean="0"/>
               <a:pPr/>
-              <a:t>9/26/2020</a:t>
+              <a:t>9/15/2024</a:t>
             </a:fld>
             <a:endParaRPr lang="en-US"/>
           </a:p>
@@ -5566,7 +5579,7 @@
             <a:fld id="{1D8BD707-D9CF-40AE-B4C6-C98DA3205C09}" type="datetimeFigureOut">
               <a:rPr lang="en-US" smtClean="0"/>
               <a:pPr/>
-              <a:t>9/26/2020</a:t>
+              <a:t>9/15/2024</a:t>
             </a:fld>
             <a:endParaRPr lang="en-US"/>
           </a:p>
@@ -5815,7 +5828,7 @@
             <a:fld id="{1D8BD707-D9CF-40AE-B4C6-C98DA3205C09}" type="datetimeFigureOut">
               <a:rPr lang="en-US" smtClean="0"/>
               <a:pPr/>
-              <a:t>9/26/2020</a:t>
+              <a:t>9/15/2024</a:t>
             </a:fld>
             <a:endParaRPr lang="en-US"/>
           </a:p>
@@ -6023,7 +6036,7 @@
             <a:fld id="{1D8BD707-D9CF-40AE-B4C6-C98DA3205C09}" type="datetimeFigureOut">
               <a:rPr lang="en-US" smtClean="0"/>
               <a:pPr/>
-              <a:t>9/26/2020</a:t>
+              <a:t>9/15/2024</a:t>
             </a:fld>
             <a:endParaRPr lang="en-US"/>
           </a:p>
@@ -6403,7 +6416,7 @@
         <p:spPr>
           <a:xfrm>
             <a:off x="533400" y="533400"/>
-            <a:ext cx="3687163" cy="923330"/>
+            <a:ext cx="6801862" cy="1200329"/>
           </a:xfrm>
           <a:prstGeom prst="rect">
             <a:avLst/>
@@ -6444,6 +6457,15 @@
             <a:r>
               <a:rPr lang="en-US" dirty="0"/>
               <a:t>Sorting, Comparable and Comparator</a:t>
+            </a:r>
+          </a:p>
+          <a:p>
+            <a:r>
+              <a:rPr lang="en-US" dirty="0">
+                <a:latin typeface="Arial" panose="020B0604020202020204" pitchFamily="34" charset="0"/>
+                <a:cs typeface="Arial" panose="020B0604020202020204" pitchFamily="34" charset="0"/>
+              </a:rPr>
+              <a:t>Extending our Shape interface so shapes can render themselves</a:t>
             </a:r>
           </a:p>
         </p:txBody>
@@ -9474,14 +9496,20 @@
       </p:grpSpPr>
       <p:sp>
         <p:nvSpPr>
-          <p:cNvPr id="4" name="TextBox 3"/>
+          <p:cNvPr id="2" name="TextBox 1">
+            <a:extLst>
+              <a:ext uri="{FF2B5EF4-FFF2-40B4-BE49-F238E27FC236}">
+                <a16:creationId xmlns:a16="http://schemas.microsoft.com/office/drawing/2014/main" id="{D91B4D88-B83E-0212-F9DE-CA964C978AD2}"/>
+              </a:ext>
+            </a:extLst>
+          </p:cNvPr>
           <p:cNvSpPr txBox="1"/>
           <p:nvPr/>
         </p:nvSpPr>
         <p:spPr>
           <a:xfrm>
             <a:off x="533400" y="533400"/>
-            <a:ext cx="3687163" cy="923330"/>
+            <a:ext cx="6801862" cy="1200329"/>
           </a:xfrm>
           <a:prstGeom prst="rect">
             <a:avLst/>
@@ -9524,17 +9552,32 @@
               <a:t>Sorting, Comparable and Comparator</a:t>
             </a:r>
           </a:p>
+          <a:p>
+            <a:r>
+              <a:rPr lang="en-US" dirty="0">
+                <a:latin typeface="Arial" panose="020B0604020202020204" pitchFamily="34" charset="0"/>
+                <a:cs typeface="Arial" panose="020B0604020202020204" pitchFamily="34" charset="0"/>
+              </a:rPr>
+              <a:t>Extending our Shape interface so shapes can render themselves</a:t>
+            </a:r>
+          </a:p>
         </p:txBody>
       </p:sp>
       <p:cxnSp>
         <p:nvCxnSpPr>
-          <p:cNvPr id="5" name="Straight Arrow Connector 4"/>
+          <p:cNvPr id="3" name="Straight Arrow Connector 2">
+            <a:extLst>
+              <a:ext uri="{FF2B5EF4-FFF2-40B4-BE49-F238E27FC236}">
+                <a16:creationId xmlns:a16="http://schemas.microsoft.com/office/drawing/2014/main" id="{058DABB2-D076-79EB-9821-6C5254226701}"/>
+              </a:ext>
+            </a:extLst>
+          </p:cNvPr>
           <p:cNvCxnSpPr/>
           <p:nvPr/>
         </p:nvCxnSpPr>
         <p:spPr>
           <a:xfrm rot="10800000">
-            <a:off x="4191000" y="1293811"/>
+            <a:off x="4114800" y="1295400"/>
             <a:ext cx="609600" cy="1588"/>
           </a:xfrm>
           <a:prstGeom prst="straightConnector1">
@@ -11800,14 +11843,20 @@
       </p:grpSpPr>
       <p:sp>
         <p:nvSpPr>
-          <p:cNvPr id="4" name="TextBox 3"/>
+          <p:cNvPr id="4" name="TextBox 3">
+            <a:extLst>
+              <a:ext uri="{FF2B5EF4-FFF2-40B4-BE49-F238E27FC236}">
+                <a16:creationId xmlns:a16="http://schemas.microsoft.com/office/drawing/2014/main" id="{DB23AA6A-3C8E-F3B4-1EE7-5DAE5FC0407D}"/>
+              </a:ext>
+            </a:extLst>
+          </p:cNvPr>
           <p:cNvSpPr txBox="1"/>
           <p:nvPr/>
         </p:nvSpPr>
         <p:spPr>
           <a:xfrm>
-            <a:off x="533400" y="457200"/>
-            <a:ext cx="4713919" cy="2585323"/>
+            <a:off x="533400" y="533400"/>
+            <a:ext cx="6801862" cy="1200329"/>
           </a:xfrm>
           <a:prstGeom prst="rect">
             <a:avLst/>
@@ -11822,81 +11871,258 @@
           <a:p>
             <a:r>
               <a:rPr lang="en-US" dirty="0"/>
-              <a:t>Still to come:</a:t>
-            </a:r>
-          </a:p>
-          <a:p>
-            <a:r>
-              <a:rPr lang="en-US" dirty="0"/>
-              <a:t>	Inheritance</a:t>
-            </a:r>
-          </a:p>
-          <a:p>
-            <a:r>
-              <a:rPr lang="en-US" dirty="0"/>
-              <a:t>	== and .equals()</a:t>
-            </a:r>
-          </a:p>
-          <a:p>
-            <a:r>
-              <a:rPr lang="en-US" dirty="0"/>
-              <a:t>	Overloading and Overriding</a:t>
-            </a:r>
-          </a:p>
-          <a:p>
-            <a:r>
-              <a:rPr lang="en-US" dirty="0"/>
-              <a:t>	source control</a:t>
-            </a:r>
-          </a:p>
-          <a:p>
-            <a:r>
-              <a:rPr lang="en-US" dirty="0"/>
-              <a:t>	Boxing and </a:t>
+              <a:t>Interfaces</a:t>
+            </a:r>
+          </a:p>
+          <a:p>
+            <a:r>
+              <a:rPr lang="en-US" dirty="0"/>
+              <a:t>List, </a:t>
             </a:r>
             <a:r>
               <a:rPr lang="en-US" dirty="0" err="1"/>
-              <a:t>unboxing</a:t>
-            </a:r>
-            <a:r>
-              <a:rPr lang="en-US" dirty="0"/>
-              <a:t> primitives in Java</a:t>
-            </a:r>
-          </a:p>
-          <a:p>
-            <a:r>
-              <a:rPr lang="en-US" dirty="0"/>
-              <a:t>	Exceptions</a:t>
-            </a:r>
-          </a:p>
-          <a:p>
-            <a:r>
-              <a:rPr lang="en-US" dirty="0"/>
-              <a:t>	Constructor chaining</a:t>
-            </a:r>
-          </a:p>
-          <a:p>
-            <a:r>
-              <a:rPr lang="en-US" dirty="0"/>
-              <a:t>	</a:t>
+              <a:t>ArrayList</a:t>
+            </a:r>
+            <a:r>
+              <a:rPr lang="en-US" dirty="0"/>
+              <a:t> and </a:t>
             </a:r>
             <a:r>
               <a:rPr lang="en-US" dirty="0" err="1"/>
-              <a:t>HashMaps</a:t>
-            </a:r>
-            <a:r>
-              <a:rPr lang="en-US" dirty="0"/>
-              <a:t> and </a:t>
-            </a:r>
-            <a:r>
-              <a:rPr lang="en-US" dirty="0" err="1"/>
-              <a:t>HashSets</a:t>
+              <a:t>LinkedList</a:t>
             </a:r>
             <a:endParaRPr lang="en-US" dirty="0"/>
           </a:p>
-        </p:txBody>
-      </p:sp>
+          <a:p>
+            <a:r>
+              <a:rPr lang="en-US" dirty="0"/>
+              <a:t>Sorting, Comparable and Comparator</a:t>
+            </a:r>
+          </a:p>
+          <a:p>
+            <a:r>
+              <a:rPr lang="en-US" dirty="0">
+                <a:latin typeface="Arial" panose="020B0604020202020204" pitchFamily="34" charset="0"/>
+                <a:cs typeface="Arial" panose="020B0604020202020204" pitchFamily="34" charset="0"/>
+              </a:rPr>
+              <a:t>Extending our Shape interface so shapes can render themselves</a:t>
+            </a:r>
+          </a:p>
+        </p:txBody>
+      </p:sp>
+      <p:cxnSp>
+        <p:nvCxnSpPr>
+          <p:cNvPr id="5" name="Straight Arrow Connector 4">
+            <a:extLst>
+              <a:ext uri="{FF2B5EF4-FFF2-40B4-BE49-F238E27FC236}">
+                <a16:creationId xmlns:a16="http://schemas.microsoft.com/office/drawing/2014/main" id="{819CBD5D-44D2-EB54-2336-2F655146ACB6}"/>
+              </a:ext>
+            </a:extLst>
+          </p:cNvPr>
+          <p:cNvCxnSpPr/>
+          <p:nvPr/>
+        </p:nvCxnSpPr>
+        <p:spPr>
+          <a:xfrm rot="10800000">
+            <a:off x="7239000" y="1524000"/>
+            <a:ext cx="609600" cy="1588"/>
+          </a:xfrm>
+          <a:prstGeom prst="straightConnector1">
+            <a:avLst/>
+          </a:prstGeom>
+          <a:ln>
+            <a:tailEnd type="arrow"/>
+          </a:ln>
+        </p:spPr>
+        <p:style>
+          <a:lnRef idx="1">
+            <a:schemeClr val="accent1"/>
+          </a:lnRef>
+          <a:fillRef idx="0">
+            <a:schemeClr val="accent1"/>
+          </a:fillRef>
+          <a:effectRef idx="0">
+            <a:schemeClr val="accent1"/>
+          </a:effectRef>
+          <a:fontRef idx="minor">
+            <a:schemeClr val="tx1"/>
+          </a:fontRef>
+        </p:style>
+      </p:cxnSp>
     </p:spTree>
+    <p:extLst>
+      <p:ext uri="{BB962C8B-B14F-4D97-AF65-F5344CB8AC3E}">
+        <p14:creationId xmlns:p14="http://schemas.microsoft.com/office/powerpoint/2010/main" val="1113475060"/>
+      </p:ext>
+    </p:extLst>
+  </p:cSld>
+  <p:clrMapOvr>
+    <a:masterClrMapping/>
+  </p:clrMapOvr>
+</p:sld>
+</file>
+
+<file path=ppt/slides/slide39.xml><?xml version="1.0" encoding="utf-8"?>
+<p:sld xmlns:a="http://schemas.openxmlformats.org/drawingml/2006/main" xmlns:r="http://schemas.openxmlformats.org/officeDocument/2006/relationships" xmlns:p="http://schemas.openxmlformats.org/presentationml/2006/main">
+  <p:cSld>
+    <p:spTree>
+      <p:nvGrpSpPr>
+        <p:cNvPr id="1" name=""/>
+        <p:cNvGrpSpPr/>
+        <p:nvPr/>
+      </p:nvGrpSpPr>
+      <p:grpSpPr>
+        <a:xfrm>
+          <a:off x="0" y="0"/>
+          <a:ext cx="0" cy="0"/>
+          <a:chOff x="0" y="0"/>
+          <a:chExt cx="0" cy="0"/>
+        </a:xfrm>
+      </p:grpSpPr>
+      <p:sp>
+        <p:nvSpPr>
+          <p:cNvPr id="4" name="TextBox 3">
+            <a:extLst>
+              <a:ext uri="{FF2B5EF4-FFF2-40B4-BE49-F238E27FC236}">
+                <a16:creationId xmlns:a16="http://schemas.microsoft.com/office/drawing/2014/main" id="{E8551FB9-D347-5E84-147D-4C854B852CAF}"/>
+              </a:ext>
+            </a:extLst>
+          </p:cNvPr>
+          <p:cNvSpPr txBox="1"/>
+          <p:nvPr/>
+        </p:nvSpPr>
+        <p:spPr>
+          <a:xfrm>
+            <a:off x="611110" y="1278236"/>
+            <a:ext cx="5147563" cy="300082"/>
+          </a:xfrm>
+          <a:prstGeom prst="rect">
+            <a:avLst/>
+          </a:prstGeom>
+          <a:noFill/>
+        </p:spPr>
+        <p:txBody>
+          <a:bodyPr wrap="none" rtlCol="0">
+            <a:spAutoFit/>
+          </a:bodyPr>
+          <a:lstStyle/>
+          <a:p>
+            <a:r>
+              <a:rPr lang="en-US" sz="1350" dirty="0">
+                <a:latin typeface="Arial" panose="020B0604020202020204" pitchFamily="34" charset="0"/>
+                <a:cs typeface="Arial" panose="020B0604020202020204" pitchFamily="34" charset="0"/>
+              </a:rPr>
+              <a:t>Extending our Shape interface so shapes can render themselves</a:t>
+            </a:r>
+          </a:p>
+        </p:txBody>
+      </p:sp>
+      <p:sp>
+        <p:nvSpPr>
+          <p:cNvPr id="5" name="TextBox 4">
+            <a:extLst>
+              <a:ext uri="{FF2B5EF4-FFF2-40B4-BE49-F238E27FC236}">
+                <a16:creationId xmlns:a16="http://schemas.microsoft.com/office/drawing/2014/main" id="{8D62CF5C-AD54-2E8B-AB97-35B83563F7F0}"/>
+              </a:ext>
+            </a:extLst>
+          </p:cNvPr>
+          <p:cNvSpPr txBox="1"/>
+          <p:nvPr/>
+        </p:nvSpPr>
+        <p:spPr>
+          <a:xfrm>
+            <a:off x="706171" y="2113419"/>
+            <a:ext cx="6496907" cy="300082"/>
+          </a:xfrm>
+          <a:prstGeom prst="rect">
+            <a:avLst/>
+          </a:prstGeom>
+          <a:noFill/>
+        </p:spPr>
+        <p:txBody>
+          <a:bodyPr wrap="none" rtlCol="0">
+            <a:spAutoFit/>
+          </a:bodyPr>
+          <a:lstStyle/>
+          <a:p>
+            <a:r>
+              <a:rPr lang="en-US" sz="1350" dirty="0"/>
+              <a:t>We add a method to our Shape interface requiring each shape to represent itself as a jpeg</a:t>
+            </a:r>
+          </a:p>
+        </p:txBody>
+      </p:sp>
+      <p:pic>
+        <p:nvPicPr>
+          <p:cNvPr id="7" name="Picture 6">
+            <a:extLst>
+              <a:ext uri="{FF2B5EF4-FFF2-40B4-BE49-F238E27FC236}">
+                <a16:creationId xmlns:a16="http://schemas.microsoft.com/office/drawing/2014/main" id="{4F7786E0-1505-E7D5-DEE2-B36FF299B74A}"/>
+              </a:ext>
+            </a:extLst>
+          </p:cNvPr>
+          <p:cNvPicPr>
+            <a:picLocks noChangeAspect="1"/>
+          </p:cNvPicPr>
+          <p:nvPr/>
+        </p:nvPicPr>
+        <p:blipFill>
+          <a:blip r:embed="rId2"/>
+          <a:stretch>
+            <a:fillRect/>
+          </a:stretch>
+        </p:blipFill>
+        <p:spPr>
+          <a:xfrm>
+            <a:off x="1263949" y="2762616"/>
+            <a:ext cx="4714875" cy="1821656"/>
+          </a:xfrm>
+          <a:prstGeom prst="rect">
+            <a:avLst/>
+          </a:prstGeom>
+        </p:spPr>
+      </p:pic>
+      <p:sp>
+        <p:nvSpPr>
+          <p:cNvPr id="9" name="TextBox 8">
+            <a:extLst>
+              <a:ext uri="{FF2B5EF4-FFF2-40B4-BE49-F238E27FC236}">
+                <a16:creationId xmlns:a16="http://schemas.microsoft.com/office/drawing/2014/main" id="{2D177532-7E03-5CD3-1942-641AAA0F9C65}"/>
+              </a:ext>
+            </a:extLst>
+          </p:cNvPr>
+          <p:cNvSpPr txBox="1"/>
+          <p:nvPr/>
+        </p:nvSpPr>
+        <p:spPr>
+          <a:xfrm>
+            <a:off x="1913127" y="5323507"/>
+            <a:ext cx="6846100" cy="300082"/>
+          </a:xfrm>
+          <a:prstGeom prst="rect">
+            <a:avLst/>
+          </a:prstGeom>
+          <a:noFill/>
+        </p:spPr>
+        <p:txBody>
+          <a:bodyPr wrap="square">
+            <a:spAutoFit/>
+          </a:bodyPr>
+          <a:lstStyle/>
+          <a:p>
+            <a:r>
+              <a:rPr lang="en-US" sz="1350" dirty="0"/>
+              <a:t>https://github.com/afodor/renderingShapes/blob/main/src/shapes/Shape.java</a:t>
+            </a:r>
+          </a:p>
+        </p:txBody>
+      </p:sp>
+    </p:spTree>
+    <p:extLst>
+      <p:ext uri="{BB962C8B-B14F-4D97-AF65-F5344CB8AC3E}">
+        <p14:creationId xmlns:p14="http://schemas.microsoft.com/office/powerpoint/2010/main" val="3940122504"/>
+      </p:ext>
+    </p:extLst>
   </p:cSld>
   <p:clrMapOvr>
     <a:masterClrMapping/>
@@ -12311,6 +12537,1092 @@
         </p:txBody>
       </p:sp>
     </p:spTree>
+  </p:cSld>
+  <p:clrMapOvr>
+    <a:masterClrMapping/>
+  </p:clrMapOvr>
+</p:sld>
+</file>
+
+<file path=ppt/slides/slide40.xml><?xml version="1.0" encoding="utf-8"?>
+<p:sld xmlns:a="http://schemas.openxmlformats.org/drawingml/2006/main" xmlns:r="http://schemas.openxmlformats.org/officeDocument/2006/relationships" xmlns:p="http://schemas.openxmlformats.org/presentationml/2006/main">
+  <p:cSld>
+    <p:spTree>
+      <p:nvGrpSpPr>
+        <p:cNvPr id="1" name=""/>
+        <p:cNvGrpSpPr/>
+        <p:nvPr/>
+      </p:nvGrpSpPr>
+      <p:grpSpPr>
+        <a:xfrm>
+          <a:off x="0" y="0"/>
+          <a:ext cx="0" cy="0"/>
+          <a:chOff x="0" y="0"/>
+          <a:chExt cx="0" cy="0"/>
+        </a:xfrm>
+      </p:grpSpPr>
+      <p:sp>
+        <p:nvSpPr>
+          <p:cNvPr id="4" name="TextBox 3">
+            <a:extLst>
+              <a:ext uri="{FF2B5EF4-FFF2-40B4-BE49-F238E27FC236}">
+                <a16:creationId xmlns:a16="http://schemas.microsoft.com/office/drawing/2014/main" id="{DD6DEDE1-FBD7-2EA3-3B2B-56DF7274599A}"/>
+              </a:ext>
+            </a:extLst>
+          </p:cNvPr>
+          <p:cNvSpPr txBox="1"/>
+          <p:nvPr/>
+        </p:nvSpPr>
+        <p:spPr>
+          <a:xfrm>
+            <a:off x="359875" y="1115274"/>
+            <a:ext cx="5804922" cy="300082"/>
+          </a:xfrm>
+          <a:prstGeom prst="rect">
+            <a:avLst/>
+          </a:prstGeom>
+          <a:noFill/>
+        </p:spPr>
+        <p:txBody>
+          <a:bodyPr wrap="none" rtlCol="0">
+            <a:spAutoFit/>
+          </a:bodyPr>
+          <a:lstStyle/>
+          <a:p>
+            <a:r>
+              <a:rPr lang="en-US" sz="1350" dirty="0">
+                <a:latin typeface="Arial" panose="020B0604020202020204" pitchFamily="34" charset="0"/>
+                <a:cs typeface="Arial" panose="020B0604020202020204" pitchFamily="34" charset="0"/>
+              </a:rPr>
+              <a:t>We can ask ChatGPT to write the first draft of the rendering code for us…</a:t>
+            </a:r>
+          </a:p>
+        </p:txBody>
+      </p:sp>
+      <p:pic>
+        <p:nvPicPr>
+          <p:cNvPr id="6" name="Picture 5">
+            <a:extLst>
+              <a:ext uri="{FF2B5EF4-FFF2-40B4-BE49-F238E27FC236}">
+                <a16:creationId xmlns:a16="http://schemas.microsoft.com/office/drawing/2014/main" id="{1A155761-2ECA-DF28-09C3-5F7ECED55C68}"/>
+              </a:ext>
+            </a:extLst>
+          </p:cNvPr>
+          <p:cNvPicPr>
+            <a:picLocks noChangeAspect="1"/>
+          </p:cNvPicPr>
+          <p:nvPr/>
+        </p:nvPicPr>
+        <p:blipFill>
+          <a:blip r:embed="rId2"/>
+          <a:stretch>
+            <a:fillRect/>
+          </a:stretch>
+        </p:blipFill>
+        <p:spPr>
+          <a:xfrm>
+            <a:off x="1094480" y="1628775"/>
+            <a:ext cx="7172325" cy="4371975"/>
+          </a:xfrm>
+          <a:prstGeom prst="rect">
+            <a:avLst/>
+          </a:prstGeom>
+        </p:spPr>
+      </p:pic>
+    </p:spTree>
+    <p:extLst>
+      <p:ext uri="{BB962C8B-B14F-4D97-AF65-F5344CB8AC3E}">
+        <p14:creationId xmlns:p14="http://schemas.microsoft.com/office/powerpoint/2010/main" val="556206007"/>
+      </p:ext>
+    </p:extLst>
+  </p:cSld>
+  <p:clrMapOvr>
+    <a:masterClrMapping/>
+  </p:clrMapOvr>
+</p:sld>
+</file>
+
+<file path=ppt/slides/slide41.xml><?xml version="1.0" encoding="utf-8"?>
+<p:sld xmlns:a="http://schemas.openxmlformats.org/drawingml/2006/main" xmlns:r="http://schemas.openxmlformats.org/officeDocument/2006/relationships" xmlns:p="http://schemas.openxmlformats.org/presentationml/2006/main">
+  <p:cSld>
+    <p:spTree>
+      <p:nvGrpSpPr>
+        <p:cNvPr id="1" name=""/>
+        <p:cNvGrpSpPr/>
+        <p:nvPr/>
+      </p:nvGrpSpPr>
+      <p:grpSpPr>
+        <a:xfrm>
+          <a:off x="0" y="0"/>
+          <a:ext cx="0" cy="0"/>
+          <a:chOff x="0" y="0"/>
+          <a:chExt cx="0" cy="0"/>
+        </a:xfrm>
+      </p:grpSpPr>
+      <p:pic>
+        <p:nvPicPr>
+          <p:cNvPr id="5" name="Picture 4">
+            <a:extLst>
+              <a:ext uri="{FF2B5EF4-FFF2-40B4-BE49-F238E27FC236}">
+                <a16:creationId xmlns:a16="http://schemas.microsoft.com/office/drawing/2014/main" id="{534B10FF-EFF1-58E4-DDBB-C18D5F1AF058}"/>
+              </a:ext>
+            </a:extLst>
+          </p:cNvPr>
+          <p:cNvPicPr>
+            <a:picLocks noChangeAspect="1"/>
+          </p:cNvPicPr>
+          <p:nvPr/>
+        </p:nvPicPr>
+        <p:blipFill>
+          <a:blip r:embed="rId2"/>
+          <a:stretch>
+            <a:fillRect/>
+          </a:stretch>
+        </p:blipFill>
+        <p:spPr>
+          <a:xfrm>
+            <a:off x="395948" y="1222523"/>
+            <a:ext cx="7100322" cy="4533384"/>
+          </a:xfrm>
+          <a:prstGeom prst="rect">
+            <a:avLst/>
+          </a:prstGeom>
+        </p:spPr>
+      </p:pic>
+      <p:sp>
+        <p:nvSpPr>
+          <p:cNvPr id="6" name="TextBox 5">
+            <a:extLst>
+              <a:ext uri="{FF2B5EF4-FFF2-40B4-BE49-F238E27FC236}">
+                <a16:creationId xmlns:a16="http://schemas.microsoft.com/office/drawing/2014/main" id="{E1094FA2-E564-A8C6-06DC-99BDA6F3C21D}"/>
+              </a:ext>
+            </a:extLst>
+          </p:cNvPr>
+          <p:cNvSpPr txBox="1"/>
+          <p:nvPr/>
+        </p:nvSpPr>
+        <p:spPr>
+          <a:xfrm>
+            <a:off x="285184" y="945523"/>
+            <a:ext cx="5840060" cy="300082"/>
+          </a:xfrm>
+          <a:prstGeom prst="rect">
+            <a:avLst/>
+          </a:prstGeom>
+          <a:noFill/>
+        </p:spPr>
+        <p:txBody>
+          <a:bodyPr wrap="none" rtlCol="0">
+            <a:spAutoFit/>
+          </a:bodyPr>
+          <a:lstStyle/>
+          <a:p>
+            <a:r>
+              <a:rPr lang="en-US" sz="1350" dirty="0">
+                <a:latin typeface="Arial" panose="020B0604020202020204" pitchFamily="34" charset="0"/>
+                <a:cs typeface="Arial" panose="020B0604020202020204" pitchFamily="34" charset="0"/>
+              </a:rPr>
+              <a:t>With some manual editing, we can integrate this code into our Circle class</a:t>
+            </a:r>
+          </a:p>
+        </p:txBody>
+      </p:sp>
+      <p:cxnSp>
+        <p:nvCxnSpPr>
+          <p:cNvPr id="8" name="Straight Arrow Connector 7">
+            <a:extLst>
+              <a:ext uri="{FF2B5EF4-FFF2-40B4-BE49-F238E27FC236}">
+                <a16:creationId xmlns:a16="http://schemas.microsoft.com/office/drawing/2014/main" id="{B4E9EB77-64E8-9B49-404F-13C54CF03913}"/>
+              </a:ext>
+            </a:extLst>
+          </p:cNvPr>
+          <p:cNvCxnSpPr/>
+          <p:nvPr/>
+        </p:nvCxnSpPr>
+        <p:spPr>
+          <a:xfrm flipH="1">
+            <a:off x="4481466" y="2446133"/>
+            <a:ext cx="420986" cy="0"/>
+          </a:xfrm>
+          <a:prstGeom prst="straightConnector1">
+            <a:avLst/>
+          </a:prstGeom>
+          <a:ln>
+            <a:tailEnd type="triangle"/>
+          </a:ln>
+        </p:spPr>
+        <p:style>
+          <a:lnRef idx="2">
+            <a:schemeClr val="accent1"/>
+          </a:lnRef>
+          <a:fillRef idx="0">
+            <a:schemeClr val="accent1"/>
+          </a:fillRef>
+          <a:effectRef idx="1">
+            <a:schemeClr val="accent1"/>
+          </a:effectRef>
+          <a:fontRef idx="minor">
+            <a:schemeClr val="tx1"/>
+          </a:fontRef>
+        </p:style>
+      </p:cxnSp>
+      <p:sp>
+        <p:nvSpPr>
+          <p:cNvPr id="9" name="TextBox 8">
+            <a:extLst>
+              <a:ext uri="{FF2B5EF4-FFF2-40B4-BE49-F238E27FC236}">
+                <a16:creationId xmlns:a16="http://schemas.microsoft.com/office/drawing/2014/main" id="{73583B0E-433C-8A7F-B37A-7C8943111519}"/>
+              </a:ext>
+            </a:extLst>
+          </p:cNvPr>
+          <p:cNvSpPr txBox="1"/>
+          <p:nvPr/>
+        </p:nvSpPr>
+        <p:spPr>
+          <a:xfrm>
+            <a:off x="4977145" y="2310334"/>
+            <a:ext cx="2826287" cy="300082"/>
+          </a:xfrm>
+          <a:prstGeom prst="rect">
+            <a:avLst/>
+          </a:prstGeom>
+          <a:noFill/>
+        </p:spPr>
+        <p:txBody>
+          <a:bodyPr wrap="none" rtlCol="0">
+            <a:spAutoFit/>
+          </a:bodyPr>
+          <a:lstStyle/>
+          <a:p>
+            <a:r>
+              <a:rPr lang="en-US" sz="1350" dirty="0"/>
+              <a:t>Linking </a:t>
+            </a:r>
+            <a:r>
+              <a:rPr lang="en-US" sz="1350" dirty="0" err="1"/>
+              <a:t>chatGPT’s</a:t>
+            </a:r>
+            <a:r>
+              <a:rPr lang="en-US" sz="1350" dirty="0"/>
+              <a:t> code to “this” circle</a:t>
+            </a:r>
+          </a:p>
+        </p:txBody>
+      </p:sp>
+      <p:sp>
+        <p:nvSpPr>
+          <p:cNvPr id="11" name="TextBox 10">
+            <a:extLst>
+              <a:ext uri="{FF2B5EF4-FFF2-40B4-BE49-F238E27FC236}">
+                <a16:creationId xmlns:a16="http://schemas.microsoft.com/office/drawing/2014/main" id="{CDB5ADD6-C5E9-8C99-E464-1F1896E09D3B}"/>
+              </a:ext>
+            </a:extLst>
+          </p:cNvPr>
+          <p:cNvSpPr txBox="1"/>
+          <p:nvPr/>
+        </p:nvSpPr>
+        <p:spPr>
+          <a:xfrm>
+            <a:off x="3205776" y="5617407"/>
+            <a:ext cx="6999743" cy="300082"/>
+          </a:xfrm>
+          <a:prstGeom prst="rect">
+            <a:avLst/>
+          </a:prstGeom>
+          <a:noFill/>
+        </p:spPr>
+        <p:txBody>
+          <a:bodyPr wrap="square">
+            <a:spAutoFit/>
+          </a:bodyPr>
+          <a:lstStyle/>
+          <a:p>
+            <a:r>
+              <a:rPr lang="en-US" sz="1350" dirty="0"/>
+              <a:t>https://github.com/afodor/renderingShapes/blob/main/src/shapes/Circle.java</a:t>
+            </a:r>
+          </a:p>
+        </p:txBody>
+      </p:sp>
+    </p:spTree>
+    <p:extLst>
+      <p:ext uri="{BB962C8B-B14F-4D97-AF65-F5344CB8AC3E}">
+        <p14:creationId xmlns:p14="http://schemas.microsoft.com/office/powerpoint/2010/main" val="3502586200"/>
+      </p:ext>
+    </p:extLst>
+  </p:cSld>
+  <p:clrMapOvr>
+    <a:masterClrMapping/>
+  </p:clrMapOvr>
+</p:sld>
+</file>
+
+<file path=ppt/slides/slide42.xml><?xml version="1.0" encoding="utf-8"?>
+<p:sld xmlns:a="http://schemas.openxmlformats.org/drawingml/2006/main" xmlns:r="http://schemas.openxmlformats.org/officeDocument/2006/relationships" xmlns:p="http://schemas.openxmlformats.org/presentationml/2006/main">
+  <p:cSld>
+    <p:spTree>
+      <p:nvGrpSpPr>
+        <p:cNvPr id="1" name=""/>
+        <p:cNvGrpSpPr/>
+        <p:nvPr/>
+      </p:nvGrpSpPr>
+      <p:grpSpPr>
+        <a:xfrm>
+          <a:off x="0" y="0"/>
+          <a:ext cx="0" cy="0"/>
+          <a:chOff x="0" y="0"/>
+          <a:chExt cx="0" cy="0"/>
+        </a:xfrm>
+      </p:grpSpPr>
+      <p:pic>
+        <p:nvPicPr>
+          <p:cNvPr id="5" name="Picture 4">
+            <a:extLst>
+              <a:ext uri="{FF2B5EF4-FFF2-40B4-BE49-F238E27FC236}">
+                <a16:creationId xmlns:a16="http://schemas.microsoft.com/office/drawing/2014/main" id="{7200B984-89FC-18EC-442D-E8836728F7E9}"/>
+              </a:ext>
+            </a:extLst>
+          </p:cNvPr>
+          <p:cNvPicPr>
+            <a:picLocks noChangeAspect="1"/>
+          </p:cNvPicPr>
+          <p:nvPr/>
+        </p:nvPicPr>
+        <p:blipFill>
+          <a:blip r:embed="rId2"/>
+          <a:stretch>
+            <a:fillRect/>
+          </a:stretch>
+        </p:blipFill>
+        <p:spPr>
+          <a:xfrm>
+            <a:off x="958112" y="1505777"/>
+            <a:ext cx="5000625" cy="614363"/>
+          </a:xfrm>
+          <a:prstGeom prst="rect">
+            <a:avLst/>
+          </a:prstGeom>
+        </p:spPr>
+      </p:pic>
+      <p:sp>
+        <p:nvSpPr>
+          <p:cNvPr id="6" name="TextBox 5">
+            <a:extLst>
+              <a:ext uri="{FF2B5EF4-FFF2-40B4-BE49-F238E27FC236}">
+                <a16:creationId xmlns:a16="http://schemas.microsoft.com/office/drawing/2014/main" id="{5C9340B3-45F3-D032-AEAC-1AAEF0461241}"/>
+              </a:ext>
+            </a:extLst>
+          </p:cNvPr>
+          <p:cNvSpPr txBox="1"/>
+          <p:nvPr/>
+        </p:nvSpPr>
+        <p:spPr>
+          <a:xfrm>
+            <a:off x="1127157" y="999844"/>
+            <a:ext cx="2872005" cy="300082"/>
+          </a:xfrm>
+          <a:prstGeom prst="rect">
+            <a:avLst/>
+          </a:prstGeom>
+          <a:noFill/>
+        </p:spPr>
+        <p:txBody>
+          <a:bodyPr wrap="none" rtlCol="0">
+            <a:spAutoFit/>
+          </a:bodyPr>
+          <a:lstStyle/>
+          <a:p>
+            <a:r>
+              <a:rPr lang="en-US" sz="1350" dirty="0"/>
+              <a:t>This seems to be working pretty well…</a:t>
+            </a:r>
+          </a:p>
+        </p:txBody>
+      </p:sp>
+      <p:pic>
+        <p:nvPicPr>
+          <p:cNvPr id="8" name="Picture 7">
+            <a:extLst>
+              <a:ext uri="{FF2B5EF4-FFF2-40B4-BE49-F238E27FC236}">
+                <a16:creationId xmlns:a16="http://schemas.microsoft.com/office/drawing/2014/main" id="{6653AADE-BDD5-D54C-1307-ABF44AB92F4E}"/>
+              </a:ext>
+            </a:extLst>
+          </p:cNvPr>
+          <p:cNvPicPr>
+            <a:picLocks noChangeAspect="1"/>
+          </p:cNvPicPr>
+          <p:nvPr/>
+        </p:nvPicPr>
+        <p:blipFill>
+          <a:blip r:embed="rId3"/>
+          <a:stretch>
+            <a:fillRect/>
+          </a:stretch>
+        </p:blipFill>
+        <p:spPr>
+          <a:xfrm>
+            <a:off x="3993180" y="2452076"/>
+            <a:ext cx="3221831" cy="3257550"/>
+          </a:xfrm>
+          <a:prstGeom prst="rect">
+            <a:avLst/>
+          </a:prstGeom>
+        </p:spPr>
+      </p:pic>
+    </p:spTree>
+    <p:extLst>
+      <p:ext uri="{BB962C8B-B14F-4D97-AF65-F5344CB8AC3E}">
+        <p14:creationId xmlns:p14="http://schemas.microsoft.com/office/powerpoint/2010/main" val="498353462"/>
+      </p:ext>
+    </p:extLst>
+  </p:cSld>
+  <p:clrMapOvr>
+    <a:masterClrMapping/>
+  </p:clrMapOvr>
+</p:sld>
+</file>
+
+<file path=ppt/slides/slide43.xml><?xml version="1.0" encoding="utf-8"?>
+<p:sld xmlns:a="http://schemas.openxmlformats.org/drawingml/2006/main" xmlns:r="http://schemas.openxmlformats.org/officeDocument/2006/relationships" xmlns:p="http://schemas.openxmlformats.org/presentationml/2006/main">
+  <p:cSld>
+    <p:spTree>
+      <p:nvGrpSpPr>
+        <p:cNvPr id="1" name=""/>
+        <p:cNvGrpSpPr/>
+        <p:nvPr/>
+      </p:nvGrpSpPr>
+      <p:grpSpPr>
+        <a:xfrm>
+          <a:off x="0" y="0"/>
+          <a:ext cx="0" cy="0"/>
+          <a:chOff x="0" y="0"/>
+          <a:chExt cx="0" cy="0"/>
+        </a:xfrm>
+      </p:grpSpPr>
+      <p:sp>
+        <p:nvSpPr>
+          <p:cNvPr id="4" name="TextBox 3">
+            <a:extLst>
+              <a:ext uri="{FF2B5EF4-FFF2-40B4-BE49-F238E27FC236}">
+                <a16:creationId xmlns:a16="http://schemas.microsoft.com/office/drawing/2014/main" id="{00731C31-96E0-9D53-75B0-361A06BFC316}"/>
+              </a:ext>
+            </a:extLst>
+          </p:cNvPr>
+          <p:cNvSpPr txBox="1"/>
+          <p:nvPr/>
+        </p:nvSpPr>
+        <p:spPr>
+          <a:xfrm>
+            <a:off x="604319" y="1088115"/>
+            <a:ext cx="6747488" cy="300082"/>
+          </a:xfrm>
+          <a:prstGeom prst="rect">
+            <a:avLst/>
+          </a:prstGeom>
+          <a:noFill/>
+        </p:spPr>
+        <p:txBody>
+          <a:bodyPr wrap="none" rtlCol="0">
+            <a:spAutoFit/>
+          </a:bodyPr>
+          <a:lstStyle/>
+          <a:p>
+            <a:r>
+              <a:rPr lang="en-US" sz="1350" dirty="0">
+                <a:latin typeface="Arial" panose="020B0604020202020204" pitchFamily="34" charset="0"/>
+                <a:cs typeface="Arial" panose="020B0604020202020204" pitchFamily="34" charset="0"/>
+              </a:rPr>
+              <a:t>We can ask ChatGPT to make us a JPEG viewer so we can look at </a:t>
+            </a:r>
+            <a:r>
+              <a:rPr lang="en-US" sz="1350">
+                <a:latin typeface="Arial" panose="020B0604020202020204" pitchFamily="34" charset="0"/>
+                <a:cs typeface="Arial" panose="020B0604020202020204" pitchFamily="34" charset="0"/>
+              </a:rPr>
+              <a:t>multiple images…</a:t>
+            </a:r>
+          </a:p>
+        </p:txBody>
+      </p:sp>
+      <p:pic>
+        <p:nvPicPr>
+          <p:cNvPr id="6" name="Picture 5">
+            <a:extLst>
+              <a:ext uri="{FF2B5EF4-FFF2-40B4-BE49-F238E27FC236}">
+                <a16:creationId xmlns:a16="http://schemas.microsoft.com/office/drawing/2014/main" id="{4C09E875-5520-ABD6-61E1-6A46D2C1014F}"/>
+              </a:ext>
+            </a:extLst>
+          </p:cNvPr>
+          <p:cNvPicPr>
+            <a:picLocks noChangeAspect="1"/>
+          </p:cNvPicPr>
+          <p:nvPr/>
+        </p:nvPicPr>
+        <p:blipFill>
+          <a:blip r:embed="rId2"/>
+          <a:stretch>
+            <a:fillRect/>
+          </a:stretch>
+        </p:blipFill>
+        <p:spPr>
+          <a:xfrm>
+            <a:off x="1132285" y="1646635"/>
+            <a:ext cx="6879431" cy="3564731"/>
+          </a:xfrm>
+          <a:prstGeom prst="rect">
+            <a:avLst/>
+          </a:prstGeom>
+        </p:spPr>
+      </p:pic>
+    </p:spTree>
+    <p:extLst>
+      <p:ext uri="{BB962C8B-B14F-4D97-AF65-F5344CB8AC3E}">
+        <p14:creationId xmlns:p14="http://schemas.microsoft.com/office/powerpoint/2010/main" val="2862482559"/>
+      </p:ext>
+    </p:extLst>
+  </p:cSld>
+  <p:clrMapOvr>
+    <a:masterClrMapping/>
+  </p:clrMapOvr>
+</p:sld>
+</file>
+
+<file path=ppt/slides/slide44.xml><?xml version="1.0" encoding="utf-8"?>
+<p:sld xmlns:a="http://schemas.openxmlformats.org/drawingml/2006/main" xmlns:r="http://schemas.openxmlformats.org/officeDocument/2006/relationships" xmlns:p="http://schemas.openxmlformats.org/presentationml/2006/main">
+  <p:cSld>
+    <p:spTree>
+      <p:nvGrpSpPr>
+        <p:cNvPr id="1" name=""/>
+        <p:cNvGrpSpPr/>
+        <p:nvPr/>
+      </p:nvGrpSpPr>
+      <p:grpSpPr>
+        <a:xfrm>
+          <a:off x="0" y="0"/>
+          <a:ext cx="0" cy="0"/>
+          <a:chOff x="0" y="0"/>
+          <a:chExt cx="0" cy="0"/>
+        </a:xfrm>
+      </p:grpSpPr>
+      <p:sp>
+        <p:nvSpPr>
+          <p:cNvPr id="4" name="TextBox 3">
+            <a:extLst>
+              <a:ext uri="{FF2B5EF4-FFF2-40B4-BE49-F238E27FC236}">
+                <a16:creationId xmlns:a16="http://schemas.microsoft.com/office/drawing/2014/main" id="{85F60360-FBD1-565E-B67F-E7B7659ADEB6}"/>
+              </a:ext>
+            </a:extLst>
+          </p:cNvPr>
+          <p:cNvSpPr txBox="1"/>
+          <p:nvPr/>
+        </p:nvSpPr>
+        <p:spPr>
+          <a:xfrm>
+            <a:off x="502467" y="1040583"/>
+            <a:ext cx="5022529" cy="300082"/>
+          </a:xfrm>
+          <a:prstGeom prst="rect">
+            <a:avLst/>
+          </a:prstGeom>
+          <a:noFill/>
+        </p:spPr>
+        <p:txBody>
+          <a:bodyPr wrap="none" rtlCol="0">
+            <a:spAutoFit/>
+          </a:bodyPr>
+          <a:lstStyle/>
+          <a:p>
+            <a:r>
+              <a:rPr lang="en-US" sz="1350" dirty="0">
+                <a:latin typeface="Arial" panose="020B0604020202020204" pitchFamily="34" charset="0"/>
+                <a:cs typeface="Arial" panose="020B0604020202020204" pitchFamily="34" charset="0"/>
+              </a:rPr>
+              <a:t>With a little work, we can adopt this to work on a List of Shapes</a:t>
+            </a:r>
+          </a:p>
+        </p:txBody>
+      </p:sp>
+      <p:pic>
+        <p:nvPicPr>
+          <p:cNvPr id="6" name="Picture 5">
+            <a:extLst>
+              <a:ext uri="{FF2B5EF4-FFF2-40B4-BE49-F238E27FC236}">
+                <a16:creationId xmlns:a16="http://schemas.microsoft.com/office/drawing/2014/main" id="{0753DAAE-0803-EFAC-5D07-7908D75655BF}"/>
+              </a:ext>
+            </a:extLst>
+          </p:cNvPr>
+          <p:cNvPicPr>
+            <a:picLocks noChangeAspect="1"/>
+          </p:cNvPicPr>
+          <p:nvPr/>
+        </p:nvPicPr>
+        <p:blipFill>
+          <a:blip r:embed="rId2"/>
+          <a:stretch>
+            <a:fillRect/>
+          </a:stretch>
+        </p:blipFill>
+        <p:spPr>
+          <a:xfrm>
+            <a:off x="502467" y="1393668"/>
+            <a:ext cx="5424576" cy="4513247"/>
+          </a:xfrm>
+          <a:prstGeom prst="rect">
+            <a:avLst/>
+          </a:prstGeom>
+        </p:spPr>
+      </p:pic>
+      <p:cxnSp>
+        <p:nvCxnSpPr>
+          <p:cNvPr id="8" name="Straight Arrow Connector 7">
+            <a:extLst>
+              <a:ext uri="{FF2B5EF4-FFF2-40B4-BE49-F238E27FC236}">
+                <a16:creationId xmlns:a16="http://schemas.microsoft.com/office/drawing/2014/main" id="{9A991BFA-4E43-836C-8102-2BEF64521E98}"/>
+              </a:ext>
+            </a:extLst>
+          </p:cNvPr>
+          <p:cNvCxnSpPr/>
+          <p:nvPr/>
+        </p:nvCxnSpPr>
+        <p:spPr>
+          <a:xfrm flipH="1">
+            <a:off x="4257392" y="1862185"/>
+            <a:ext cx="577158" cy="0"/>
+          </a:xfrm>
+          <a:prstGeom prst="straightConnector1">
+            <a:avLst/>
+          </a:prstGeom>
+          <a:ln>
+            <a:tailEnd type="triangle"/>
+          </a:ln>
+        </p:spPr>
+        <p:style>
+          <a:lnRef idx="2">
+            <a:schemeClr val="accent1"/>
+          </a:lnRef>
+          <a:fillRef idx="0">
+            <a:schemeClr val="accent1"/>
+          </a:fillRef>
+          <a:effectRef idx="1">
+            <a:schemeClr val="accent1"/>
+          </a:effectRef>
+          <a:fontRef idx="minor">
+            <a:schemeClr val="tx1"/>
+          </a:fontRef>
+        </p:style>
+      </p:cxnSp>
+      <p:sp>
+        <p:nvSpPr>
+          <p:cNvPr id="9" name="TextBox 8">
+            <a:extLst>
+              <a:ext uri="{FF2B5EF4-FFF2-40B4-BE49-F238E27FC236}">
+                <a16:creationId xmlns:a16="http://schemas.microsoft.com/office/drawing/2014/main" id="{07E4D657-21AE-4E37-0B11-8E565AE55CE4}"/>
+              </a:ext>
+            </a:extLst>
+          </p:cNvPr>
+          <p:cNvSpPr txBox="1"/>
+          <p:nvPr/>
+        </p:nvSpPr>
+        <p:spPr>
+          <a:xfrm>
+            <a:off x="4888875" y="1719595"/>
+            <a:ext cx="2723823" cy="300082"/>
+          </a:xfrm>
+          <a:prstGeom prst="rect">
+            <a:avLst/>
+          </a:prstGeom>
+          <a:noFill/>
+        </p:spPr>
+        <p:txBody>
+          <a:bodyPr wrap="none" rtlCol="0">
+            <a:spAutoFit/>
+          </a:bodyPr>
+          <a:lstStyle/>
+          <a:p>
+            <a:r>
+              <a:rPr lang="en-US" sz="1350" dirty="0">
+                <a:latin typeface="Arial" panose="020B0604020202020204" pitchFamily="34" charset="0"/>
+                <a:cs typeface="Arial" panose="020B0604020202020204" pitchFamily="34" charset="0"/>
+              </a:rPr>
+              <a:t>Our method takes a List&lt;Shape&gt;</a:t>
+            </a:r>
+          </a:p>
+        </p:txBody>
+      </p:sp>
+      <p:cxnSp>
+        <p:nvCxnSpPr>
+          <p:cNvPr id="11" name="Straight Arrow Connector 10">
+            <a:extLst>
+              <a:ext uri="{FF2B5EF4-FFF2-40B4-BE49-F238E27FC236}">
+                <a16:creationId xmlns:a16="http://schemas.microsoft.com/office/drawing/2014/main" id="{888501BF-3277-312C-5031-BEC6C8FDE3C6}"/>
+              </a:ext>
+            </a:extLst>
+          </p:cNvPr>
+          <p:cNvCxnSpPr/>
+          <p:nvPr/>
+        </p:nvCxnSpPr>
+        <p:spPr>
+          <a:xfrm flipH="1">
+            <a:off x="2566660" y="3749834"/>
+            <a:ext cx="1840117" cy="0"/>
+          </a:xfrm>
+          <a:prstGeom prst="straightConnector1">
+            <a:avLst/>
+          </a:prstGeom>
+          <a:ln>
+            <a:tailEnd type="triangle"/>
+          </a:ln>
+        </p:spPr>
+        <p:style>
+          <a:lnRef idx="2">
+            <a:schemeClr val="accent1"/>
+          </a:lnRef>
+          <a:fillRef idx="0">
+            <a:schemeClr val="accent1"/>
+          </a:fillRef>
+          <a:effectRef idx="1">
+            <a:schemeClr val="accent1"/>
+          </a:effectRef>
+          <a:fontRef idx="minor">
+            <a:schemeClr val="tx1"/>
+          </a:fontRef>
+        </p:style>
+      </p:cxnSp>
+      <p:sp>
+        <p:nvSpPr>
+          <p:cNvPr id="12" name="TextBox 11">
+            <a:extLst>
+              <a:ext uri="{FF2B5EF4-FFF2-40B4-BE49-F238E27FC236}">
+                <a16:creationId xmlns:a16="http://schemas.microsoft.com/office/drawing/2014/main" id="{3E5A14D6-43AA-6218-B16C-DCE6AC393A7A}"/>
+              </a:ext>
+            </a:extLst>
+          </p:cNvPr>
+          <p:cNvSpPr txBox="1"/>
+          <p:nvPr/>
+        </p:nvSpPr>
+        <p:spPr>
+          <a:xfrm>
+            <a:off x="4471283" y="3491472"/>
+            <a:ext cx="2237338" cy="507831"/>
+          </a:xfrm>
+          <a:prstGeom prst="rect">
+            <a:avLst/>
+          </a:prstGeom>
+          <a:noFill/>
+        </p:spPr>
+        <p:txBody>
+          <a:bodyPr wrap="square" rtlCol="0">
+            <a:spAutoFit/>
+          </a:bodyPr>
+          <a:lstStyle/>
+          <a:p>
+            <a:r>
+              <a:rPr lang="en-US" sz="1350" dirty="0">
+                <a:latin typeface="Arial" panose="020B0604020202020204" pitchFamily="34" charset="0"/>
+                <a:cs typeface="Arial" panose="020B0604020202020204" pitchFamily="34" charset="0"/>
+              </a:rPr>
+              <a:t>Invoke our render method at the interface level</a:t>
+            </a:r>
+          </a:p>
+        </p:txBody>
+      </p:sp>
+      <p:sp>
+        <p:nvSpPr>
+          <p:cNvPr id="14" name="TextBox 13">
+            <a:extLst>
+              <a:ext uri="{FF2B5EF4-FFF2-40B4-BE49-F238E27FC236}">
+                <a16:creationId xmlns:a16="http://schemas.microsoft.com/office/drawing/2014/main" id="{CA78097B-53BC-2632-30DE-8270270A3CC1}"/>
+              </a:ext>
+            </a:extLst>
+          </p:cNvPr>
+          <p:cNvSpPr txBox="1"/>
+          <p:nvPr/>
+        </p:nvSpPr>
+        <p:spPr>
+          <a:xfrm>
+            <a:off x="2390113" y="5723752"/>
+            <a:ext cx="7701670" cy="276999"/>
+          </a:xfrm>
+          <a:prstGeom prst="rect">
+            <a:avLst/>
+          </a:prstGeom>
+          <a:noFill/>
+        </p:spPr>
+        <p:txBody>
+          <a:bodyPr wrap="square">
+            <a:spAutoFit/>
+          </a:bodyPr>
+          <a:lstStyle/>
+          <a:p>
+            <a:r>
+              <a:rPr lang="en-US" sz="1200" dirty="0"/>
+              <a:t>https://github.com/afodor/renderingShapes/blob/main/src/shapes/JPEG_Shape_Displayers.java</a:t>
+            </a:r>
+          </a:p>
+        </p:txBody>
+      </p:sp>
+    </p:spTree>
+    <p:extLst>
+      <p:ext uri="{BB962C8B-B14F-4D97-AF65-F5344CB8AC3E}">
+        <p14:creationId xmlns:p14="http://schemas.microsoft.com/office/powerpoint/2010/main" val="3690650549"/>
+      </p:ext>
+    </p:extLst>
+  </p:cSld>
+  <p:clrMapOvr>
+    <a:masterClrMapping/>
+  </p:clrMapOvr>
+</p:sld>
+</file>
+
+<file path=ppt/slides/slide45.xml><?xml version="1.0" encoding="utf-8"?>
+<p:sld xmlns:a="http://schemas.openxmlformats.org/drawingml/2006/main" xmlns:r="http://schemas.openxmlformats.org/officeDocument/2006/relationships" xmlns:p="http://schemas.openxmlformats.org/presentationml/2006/main">
+  <p:cSld>
+    <p:spTree>
+      <p:nvGrpSpPr>
+        <p:cNvPr id="1" name=""/>
+        <p:cNvGrpSpPr/>
+        <p:nvPr/>
+      </p:nvGrpSpPr>
+      <p:grpSpPr>
+        <a:xfrm>
+          <a:off x="0" y="0"/>
+          <a:ext cx="0" cy="0"/>
+          <a:chOff x="0" y="0"/>
+          <a:chExt cx="0" cy="0"/>
+        </a:xfrm>
+      </p:grpSpPr>
+      <p:pic>
+        <p:nvPicPr>
+          <p:cNvPr id="7" name="Picture 6">
+            <a:extLst>
+              <a:ext uri="{FF2B5EF4-FFF2-40B4-BE49-F238E27FC236}">
+                <a16:creationId xmlns:a16="http://schemas.microsoft.com/office/drawing/2014/main" id="{013EE13A-B3E5-714E-C07E-E26A15096FC7}"/>
+              </a:ext>
+            </a:extLst>
+          </p:cNvPr>
+          <p:cNvPicPr>
+            <a:picLocks noChangeAspect="1"/>
+          </p:cNvPicPr>
+          <p:nvPr/>
+        </p:nvPicPr>
+        <p:blipFill>
+          <a:blip r:embed="rId2"/>
+          <a:stretch>
+            <a:fillRect/>
+          </a:stretch>
+        </p:blipFill>
+        <p:spPr>
+          <a:xfrm>
+            <a:off x="336888" y="1871309"/>
+            <a:ext cx="4586288" cy="1757363"/>
+          </a:xfrm>
+          <a:prstGeom prst="rect">
+            <a:avLst/>
+          </a:prstGeom>
+        </p:spPr>
+      </p:pic>
+      <p:sp>
+        <p:nvSpPr>
+          <p:cNvPr id="8" name="TextBox 7">
+            <a:extLst>
+              <a:ext uri="{FF2B5EF4-FFF2-40B4-BE49-F238E27FC236}">
+                <a16:creationId xmlns:a16="http://schemas.microsoft.com/office/drawing/2014/main" id="{AFA5D54C-3C0E-9130-75E0-FF2833AB54CE}"/>
+              </a:ext>
+            </a:extLst>
+          </p:cNvPr>
+          <p:cNvSpPr txBox="1"/>
+          <p:nvPr/>
+        </p:nvSpPr>
+        <p:spPr>
+          <a:xfrm>
+            <a:off x="549998" y="1176385"/>
+            <a:ext cx="5182894" cy="300082"/>
+          </a:xfrm>
+          <a:prstGeom prst="rect">
+            <a:avLst/>
+          </a:prstGeom>
+          <a:noFill/>
+        </p:spPr>
+        <p:txBody>
+          <a:bodyPr wrap="none" rtlCol="0">
+            <a:spAutoFit/>
+          </a:bodyPr>
+          <a:lstStyle/>
+          <a:p>
+            <a:r>
+              <a:rPr lang="en-US" sz="1350" dirty="0">
+                <a:latin typeface="Arial" panose="020B0604020202020204" pitchFamily="34" charset="0"/>
+                <a:cs typeface="Arial" panose="020B0604020202020204" pitchFamily="34" charset="0"/>
+              </a:rPr>
+              <a:t>And we have a nice little application with very little coding effort…</a:t>
+            </a:r>
+          </a:p>
+        </p:txBody>
+      </p:sp>
+      <p:pic>
+        <p:nvPicPr>
+          <p:cNvPr id="10" name="Picture 9">
+            <a:extLst>
+              <a:ext uri="{FF2B5EF4-FFF2-40B4-BE49-F238E27FC236}">
+                <a16:creationId xmlns:a16="http://schemas.microsoft.com/office/drawing/2014/main" id="{DBF4D026-D57F-60E6-7BC2-EE982AF67BC1}"/>
+              </a:ext>
+            </a:extLst>
+          </p:cNvPr>
+          <p:cNvPicPr>
+            <a:picLocks noChangeAspect="1"/>
+          </p:cNvPicPr>
+          <p:nvPr/>
+        </p:nvPicPr>
+        <p:blipFill>
+          <a:blip r:embed="rId3"/>
+          <a:stretch>
+            <a:fillRect/>
+          </a:stretch>
+        </p:blipFill>
+        <p:spPr>
+          <a:xfrm>
+            <a:off x="3424756" y="2480084"/>
+            <a:ext cx="4669043" cy="3023121"/>
+          </a:xfrm>
+          <a:prstGeom prst="rect">
+            <a:avLst/>
+          </a:prstGeom>
+        </p:spPr>
+      </p:pic>
+    </p:spTree>
+    <p:extLst>
+      <p:ext uri="{BB962C8B-B14F-4D97-AF65-F5344CB8AC3E}">
+        <p14:creationId xmlns:p14="http://schemas.microsoft.com/office/powerpoint/2010/main" val="192716421"/>
+      </p:ext>
+    </p:extLst>
+  </p:cSld>
+  <p:clrMapOvr>
+    <a:masterClrMapping/>
+  </p:clrMapOvr>
+</p:sld>
+</file>
+
+<file path=ppt/slides/slide46.xml><?xml version="1.0" encoding="utf-8"?>
+<p:sld xmlns:a="http://schemas.openxmlformats.org/drawingml/2006/main" xmlns:r="http://schemas.openxmlformats.org/officeDocument/2006/relationships" xmlns:p="http://schemas.openxmlformats.org/presentationml/2006/main">
+  <p:cSld>
+    <p:spTree>
+      <p:nvGrpSpPr>
+        <p:cNvPr id="1" name=""/>
+        <p:cNvGrpSpPr/>
+        <p:nvPr/>
+      </p:nvGrpSpPr>
+      <p:grpSpPr>
+        <a:xfrm>
+          <a:off x="0" y="0"/>
+          <a:ext cx="0" cy="0"/>
+          <a:chOff x="0" y="0"/>
+          <a:chExt cx="0" cy="0"/>
+        </a:xfrm>
+      </p:grpSpPr>
+      <p:sp>
+        <p:nvSpPr>
+          <p:cNvPr id="4" name="TextBox 3"/>
+          <p:cNvSpPr txBox="1"/>
+          <p:nvPr/>
+        </p:nvSpPr>
+        <p:spPr>
+          <a:xfrm>
+            <a:off x="533400" y="457200"/>
+            <a:ext cx="4713919" cy="2585323"/>
+          </a:xfrm>
+          <a:prstGeom prst="rect">
+            <a:avLst/>
+          </a:prstGeom>
+          <a:noFill/>
+        </p:spPr>
+        <p:txBody>
+          <a:bodyPr wrap="none" rtlCol="0">
+            <a:spAutoFit/>
+          </a:bodyPr>
+          <a:lstStyle/>
+          <a:p>
+            <a:r>
+              <a:rPr lang="en-US" dirty="0"/>
+              <a:t>Still to come:</a:t>
+            </a:r>
+          </a:p>
+          <a:p>
+            <a:r>
+              <a:rPr lang="en-US" dirty="0"/>
+              <a:t>	Inheritance</a:t>
+            </a:r>
+          </a:p>
+          <a:p>
+            <a:r>
+              <a:rPr lang="en-US" dirty="0"/>
+              <a:t>	== and .equals()</a:t>
+            </a:r>
+          </a:p>
+          <a:p>
+            <a:r>
+              <a:rPr lang="en-US" dirty="0"/>
+              <a:t>	Overloading and Overriding</a:t>
+            </a:r>
+          </a:p>
+          <a:p>
+            <a:r>
+              <a:rPr lang="en-US" dirty="0"/>
+              <a:t>	source control</a:t>
+            </a:r>
+          </a:p>
+          <a:p>
+            <a:r>
+              <a:rPr lang="en-US" dirty="0"/>
+              <a:t>	Boxing and </a:t>
+            </a:r>
+            <a:r>
+              <a:rPr lang="en-US" dirty="0" err="1"/>
+              <a:t>unboxing</a:t>
+            </a:r>
+            <a:r>
+              <a:rPr lang="en-US" dirty="0"/>
+              <a:t> primitives in Java</a:t>
+            </a:r>
+          </a:p>
+          <a:p>
+            <a:r>
+              <a:rPr lang="en-US" dirty="0"/>
+              <a:t>	Exceptions</a:t>
+            </a:r>
+          </a:p>
+          <a:p>
+            <a:r>
+              <a:rPr lang="en-US" dirty="0"/>
+              <a:t>	Constructor chaining</a:t>
+            </a:r>
+          </a:p>
+          <a:p>
+            <a:r>
+              <a:rPr lang="en-US" dirty="0"/>
+              <a:t>	</a:t>
+            </a:r>
+            <a:r>
+              <a:rPr lang="en-US" dirty="0" err="1"/>
+              <a:t>HashMaps</a:t>
+            </a:r>
+            <a:r>
+              <a:rPr lang="en-US" dirty="0"/>
+              <a:t> and </a:t>
+            </a:r>
+            <a:r>
+              <a:rPr lang="en-US" dirty="0" err="1"/>
+              <a:t>HashSets</a:t>
+            </a:r>
+            <a:endParaRPr lang="en-US" dirty="0"/>
+          </a:p>
+        </p:txBody>
+      </p:sp>
+    </p:spTree>
+    <p:extLst>
+      <p:ext uri="{BB962C8B-B14F-4D97-AF65-F5344CB8AC3E}">
+        <p14:creationId xmlns:p14="http://schemas.microsoft.com/office/powerpoint/2010/main" val="3237462250"/>
+      </p:ext>
+    </p:extLst>
   </p:cSld>
   <p:clrMapOvr>
     <a:masterClrMapping/>
